--- a/asc-2021/img/API-ERP.pptx
+++ b/asc-2021/img/API-ERP.pptx
@@ -5,11 +5,11 @@
     <p:sldMasterId id="2147483648" r:id="rId1"/>
   </p:sldMasterIdLst>
   <p:sldIdLst>
-    <p:sldId id="257" r:id="rId2"/>
-    <p:sldId id="258" r:id="rId3"/>
-    <p:sldId id="259" r:id="rId4"/>
-    <p:sldId id="260" r:id="rId5"/>
-    <p:sldId id="256" r:id="rId6"/>
+    <p:sldId id="260" r:id="rId2"/>
+    <p:sldId id="261" r:id="rId3"/>
+    <p:sldId id="262" r:id="rId4"/>
+    <p:sldId id="263" r:id="rId5"/>
+    <p:sldId id="264" r:id="rId6"/>
   </p:sldIdLst>
   <p:sldSz cx="12192000" cy="6858000"/>
   <p:notesSz cx="6858000" cy="9144000"/>
@@ -108,6 +108,11 @@
       </a:defRPr>
     </a:lvl9pPr>
   </p:defaultTextStyle>
+  <p:extLst>
+    <p:ext uri="{EFAFB233-063F-42B5-8137-9DF3F51BA10A}">
+      <p15:sldGuideLst xmlns:p15="http://schemas.microsoft.com/office/powerpoint/2012/main"/>
+    </p:ext>
+  </p:extLst>
 </p:presentation>
 </file>
 
@@ -3339,8 +3344,8 @@
         </p:nvSpPr>
         <p:spPr>
           <a:xfrm>
-            <a:off x="405811" y="5085905"/>
-            <a:ext cx="1360967" cy="510363"/>
+            <a:off x="405810" y="5232314"/>
+            <a:ext cx="1360967" cy="435936"/>
           </a:xfrm>
           <a:prstGeom prst="rect">
             <a:avLst/>
@@ -3398,8 +3403,8 @@
         </p:nvSpPr>
         <p:spPr>
           <a:xfrm>
-            <a:off x="2014871" y="5085905"/>
-            <a:ext cx="1360967" cy="510363"/>
+            <a:off x="2014870" y="5232314"/>
+            <a:ext cx="1360967" cy="435936"/>
           </a:xfrm>
           <a:prstGeom prst="rect">
             <a:avLst/>
@@ -3457,8 +3462,8 @@
         </p:nvSpPr>
         <p:spPr>
           <a:xfrm>
-            <a:off x="3815317" y="5085905"/>
-            <a:ext cx="1360967" cy="510363"/>
+            <a:off x="3815317" y="5233409"/>
+            <a:ext cx="1360967" cy="435936"/>
           </a:xfrm>
           <a:prstGeom prst="rect">
             <a:avLst/>
@@ -3516,8 +3521,8 @@
         </p:nvSpPr>
         <p:spPr>
           <a:xfrm>
-            <a:off x="5424377" y="5085905"/>
-            <a:ext cx="1360967" cy="510363"/>
+            <a:off x="5424377" y="5232314"/>
+            <a:ext cx="1360967" cy="435936"/>
           </a:xfrm>
           <a:prstGeom prst="rect">
             <a:avLst/>
@@ -3575,8 +3580,8 @@
         </p:nvSpPr>
         <p:spPr>
           <a:xfrm>
-            <a:off x="7224823" y="5085906"/>
-            <a:ext cx="1360967" cy="510363"/>
+            <a:off x="7224822" y="5233409"/>
+            <a:ext cx="1360967" cy="435936"/>
           </a:xfrm>
           <a:prstGeom prst="rect">
             <a:avLst/>
@@ -3623,7 +3628,7 @@
     </p:spTree>
     <p:extLst>
       <p:ext uri="{BB962C8B-B14F-4D97-AF65-F5344CB8AC3E}">
-        <p14:creationId xmlns:p14="http://schemas.microsoft.com/office/powerpoint/2010/main" val="3472274269"/>
+        <p14:creationId xmlns:p14="http://schemas.microsoft.com/office/powerpoint/2010/main" val="724363671"/>
       </p:ext>
     </p:extLst>
   </p:cSld>
@@ -3664,8 +3669,8 @@
         </p:nvSpPr>
         <p:spPr>
           <a:xfrm>
-            <a:off x="405811" y="5085905"/>
-            <a:ext cx="1360967" cy="510363"/>
+            <a:off x="405810" y="5232314"/>
+            <a:ext cx="1360967" cy="435936"/>
           </a:xfrm>
           <a:prstGeom prst="rect">
             <a:avLst/>
@@ -3723,8 +3728,8 @@
         </p:nvSpPr>
         <p:spPr>
           <a:xfrm>
-            <a:off x="2014871" y="5085905"/>
-            <a:ext cx="1360967" cy="510363"/>
+            <a:off x="2014870" y="5232314"/>
+            <a:ext cx="1360967" cy="435936"/>
           </a:xfrm>
           <a:prstGeom prst="rect">
             <a:avLst/>
@@ -3782,8 +3787,8 @@
         </p:nvSpPr>
         <p:spPr>
           <a:xfrm>
-            <a:off x="3815317" y="5085905"/>
-            <a:ext cx="1360967" cy="510363"/>
+            <a:off x="3815317" y="5233409"/>
+            <a:ext cx="1360967" cy="435936"/>
           </a:xfrm>
           <a:prstGeom prst="rect">
             <a:avLst/>
@@ -3841,8 +3846,8 @@
         </p:nvSpPr>
         <p:spPr>
           <a:xfrm>
-            <a:off x="5424377" y="5085905"/>
-            <a:ext cx="1360967" cy="510363"/>
+            <a:off x="5424377" y="5232314"/>
+            <a:ext cx="1360967" cy="435936"/>
           </a:xfrm>
           <a:prstGeom prst="rect">
             <a:avLst/>
@@ -3900,8 +3905,8 @@
         </p:nvSpPr>
         <p:spPr>
           <a:xfrm>
-            <a:off x="7224823" y="5085906"/>
-            <a:ext cx="1360967" cy="510363"/>
+            <a:off x="7224822" y="5233409"/>
+            <a:ext cx="1360967" cy="435936"/>
           </a:xfrm>
           <a:prstGeom prst="rect">
             <a:avLst/>
@@ -3959,8 +3964,8 @@
         </p:nvSpPr>
         <p:spPr>
           <a:xfrm>
-            <a:off x="405810" y="4263654"/>
-            <a:ext cx="2970028" cy="510363"/>
+            <a:off x="405810" y="4556049"/>
+            <a:ext cx="2970028" cy="435936"/>
           </a:xfrm>
           <a:prstGeom prst="rect">
             <a:avLst/>
@@ -4022,8 +4027,8 @@
         </p:nvSpPr>
         <p:spPr>
           <a:xfrm>
-            <a:off x="3815316" y="4263654"/>
-            <a:ext cx="2970028" cy="510363"/>
+            <a:off x="3815316" y="4556049"/>
+            <a:ext cx="2970028" cy="435936"/>
           </a:xfrm>
           <a:prstGeom prst="rect">
             <a:avLst/>
@@ -4085,8 +4090,8 @@
         </p:nvSpPr>
         <p:spPr>
           <a:xfrm>
-            <a:off x="7224822" y="4263654"/>
-            <a:ext cx="1360967" cy="510363"/>
+            <a:off x="7224822" y="4556049"/>
+            <a:ext cx="1360967" cy="435936"/>
           </a:xfrm>
           <a:prstGeom prst="rect">
             <a:avLst/>
@@ -4148,8 +4153,8 @@
         </p:nvSpPr>
         <p:spPr>
           <a:xfrm>
-            <a:off x="405810" y="1282996"/>
-            <a:ext cx="1360967" cy="510363"/>
+            <a:off x="405810" y="1253543"/>
+            <a:ext cx="1360967" cy="435936"/>
           </a:xfrm>
           <a:prstGeom prst="rect">
             <a:avLst/>
@@ -4207,8 +4212,8 @@
         </p:nvSpPr>
         <p:spPr>
           <a:xfrm>
-            <a:off x="2014870" y="1282996"/>
-            <a:ext cx="1360967" cy="510363"/>
+            <a:off x="2014870" y="1253543"/>
+            <a:ext cx="1360967" cy="435936"/>
           </a:xfrm>
           <a:prstGeom prst="rect">
             <a:avLst/>
@@ -4266,8 +4271,8 @@
         </p:nvSpPr>
         <p:spPr>
           <a:xfrm>
-            <a:off x="5683030" y="1282996"/>
-            <a:ext cx="1360967" cy="510363"/>
+            <a:off x="5683030" y="1240042"/>
+            <a:ext cx="1360967" cy="435936"/>
           </a:xfrm>
           <a:prstGeom prst="rect">
             <a:avLst/>
@@ -4325,8 +4330,8 @@
         </p:nvSpPr>
         <p:spPr>
           <a:xfrm>
-            <a:off x="7292090" y="1282996"/>
-            <a:ext cx="1360967" cy="510363"/>
+            <a:off x="7292090" y="1240042"/>
+            <a:ext cx="1360967" cy="435936"/>
           </a:xfrm>
           <a:prstGeom prst="rect">
             <a:avLst/>
@@ -4384,8 +4389,8 @@
         </p:nvSpPr>
         <p:spPr>
           <a:xfrm>
-            <a:off x="3848950" y="1281222"/>
-            <a:ext cx="1360967" cy="510363"/>
+            <a:off x="3848950" y="1240042"/>
+            <a:ext cx="1360967" cy="435936"/>
           </a:xfrm>
           <a:prstGeom prst="rect">
             <a:avLst/>
@@ -4432,7 +4437,7 @@
     </p:spTree>
     <p:extLst>
       <p:ext uri="{BB962C8B-B14F-4D97-AF65-F5344CB8AC3E}">
-        <p14:creationId xmlns:p14="http://schemas.microsoft.com/office/powerpoint/2010/main" val="3962248658"/>
+        <p14:creationId xmlns:p14="http://schemas.microsoft.com/office/powerpoint/2010/main" val="3069744098"/>
       </p:ext>
     </p:extLst>
   </p:cSld>
@@ -4473,8 +4478,8 @@
         </p:nvSpPr>
         <p:spPr>
           <a:xfrm>
-            <a:off x="405811" y="5085905"/>
-            <a:ext cx="1360967" cy="510363"/>
+            <a:off x="405810" y="5232314"/>
+            <a:ext cx="1360967" cy="435936"/>
           </a:xfrm>
           <a:prstGeom prst="rect">
             <a:avLst/>
@@ -4532,8 +4537,8 @@
         </p:nvSpPr>
         <p:spPr>
           <a:xfrm>
-            <a:off x="3277431" y="2417139"/>
-            <a:ext cx="2504004" cy="1244677"/>
+            <a:off x="3277431" y="2940776"/>
+            <a:ext cx="2504004" cy="1073259"/>
           </a:xfrm>
           <a:prstGeom prst="rect">
             <a:avLst/>
@@ -4569,20 +4574,6 @@
             <a:r>
               <a:rPr lang="en-US" dirty="0"/>
               <a:t>Catalog</a:t>
-            </a:r>
-          </a:p>
-          <a:p>
-            <a:pPr algn="r"/>
-            <a:r>
-              <a:rPr lang="en-US" dirty="0"/>
-              <a:t>Portal</a:t>
-            </a:r>
-          </a:p>
-          <a:p>
-            <a:pPr algn="r"/>
-            <a:r>
-              <a:rPr lang="en-US" dirty="0"/>
-              <a:t>Marketplace</a:t>
             </a:r>
           </a:p>
         </p:txBody>
@@ -4615,7 +4606,7 @@
         </p:blipFill>
         <p:spPr>
           <a:xfrm>
-            <a:off x="3343967" y="2482119"/>
+            <a:off x="3343967" y="3005906"/>
             <a:ext cx="1903079" cy="942998"/>
           </a:xfrm>
           <a:prstGeom prst="rect">
@@ -4637,8 +4628,8 @@
         </p:nvSpPr>
         <p:spPr>
           <a:xfrm>
-            <a:off x="2014871" y="5085905"/>
-            <a:ext cx="1360967" cy="510363"/>
+            <a:off x="2014870" y="5232314"/>
+            <a:ext cx="1360967" cy="435936"/>
           </a:xfrm>
           <a:prstGeom prst="rect">
             <a:avLst/>
@@ -4696,8 +4687,8 @@
         </p:nvSpPr>
         <p:spPr>
           <a:xfrm>
-            <a:off x="3815317" y="5085905"/>
-            <a:ext cx="1360967" cy="510363"/>
+            <a:off x="3815317" y="5233409"/>
+            <a:ext cx="1360967" cy="435936"/>
           </a:xfrm>
           <a:prstGeom prst="rect">
             <a:avLst/>
@@ -4755,8 +4746,8 @@
         </p:nvSpPr>
         <p:spPr>
           <a:xfrm>
-            <a:off x="5424377" y="5085905"/>
-            <a:ext cx="1360967" cy="510363"/>
+            <a:off x="5424377" y="5232314"/>
+            <a:ext cx="1360967" cy="435936"/>
           </a:xfrm>
           <a:prstGeom prst="rect">
             <a:avLst/>
@@ -4814,8 +4805,8 @@
         </p:nvSpPr>
         <p:spPr>
           <a:xfrm>
-            <a:off x="7224823" y="5085906"/>
-            <a:ext cx="1360967" cy="510363"/>
+            <a:off x="7224822" y="5233409"/>
+            <a:ext cx="1360967" cy="435936"/>
           </a:xfrm>
           <a:prstGeom prst="rect">
             <a:avLst/>
@@ -4873,8 +4864,8 @@
         </p:nvSpPr>
         <p:spPr>
           <a:xfrm>
-            <a:off x="405810" y="4263654"/>
-            <a:ext cx="2970028" cy="510363"/>
+            <a:off x="405810" y="4556049"/>
+            <a:ext cx="2970028" cy="435936"/>
           </a:xfrm>
           <a:prstGeom prst="rect">
             <a:avLst/>
@@ -4936,8 +4927,8 @@
         </p:nvSpPr>
         <p:spPr>
           <a:xfrm>
-            <a:off x="3815316" y="4263654"/>
-            <a:ext cx="2970028" cy="510363"/>
+            <a:off x="3815316" y="4556049"/>
+            <a:ext cx="2970028" cy="435936"/>
           </a:xfrm>
           <a:prstGeom prst="rect">
             <a:avLst/>
@@ -4999,8 +4990,8 @@
         </p:nvSpPr>
         <p:spPr>
           <a:xfrm>
-            <a:off x="7224822" y="4263654"/>
-            <a:ext cx="1360967" cy="510363"/>
+            <a:off x="7224822" y="4556049"/>
+            <a:ext cx="1360967" cy="435936"/>
           </a:xfrm>
           <a:prstGeom prst="rect">
             <a:avLst/>
@@ -5062,8 +5053,8 @@
         </p:nvSpPr>
         <p:spPr>
           <a:xfrm>
-            <a:off x="405810" y="1282996"/>
-            <a:ext cx="1360967" cy="510363"/>
+            <a:off x="405810" y="1253543"/>
+            <a:ext cx="1360967" cy="435936"/>
           </a:xfrm>
           <a:prstGeom prst="rect">
             <a:avLst/>
@@ -5121,8 +5112,8 @@
         </p:nvSpPr>
         <p:spPr>
           <a:xfrm>
-            <a:off x="2014870" y="1282996"/>
-            <a:ext cx="1360967" cy="510363"/>
+            <a:off x="2014870" y="1253543"/>
+            <a:ext cx="1360967" cy="435936"/>
           </a:xfrm>
           <a:prstGeom prst="rect">
             <a:avLst/>
@@ -5180,8 +5171,8 @@
         </p:nvSpPr>
         <p:spPr>
           <a:xfrm>
-            <a:off x="5683030" y="1282996"/>
-            <a:ext cx="1360967" cy="510363"/>
+            <a:off x="5683030" y="1240042"/>
+            <a:ext cx="1360967" cy="435936"/>
           </a:xfrm>
           <a:prstGeom prst="rect">
             <a:avLst/>
@@ -5239,8 +5230,8 @@
         </p:nvSpPr>
         <p:spPr>
           <a:xfrm>
-            <a:off x="7292090" y="1282996"/>
-            <a:ext cx="1360967" cy="510363"/>
+            <a:off x="7292090" y="1240042"/>
+            <a:ext cx="1360967" cy="435936"/>
           </a:xfrm>
           <a:prstGeom prst="rect">
             <a:avLst/>
@@ -5298,8 +5289,8 @@
         </p:nvSpPr>
         <p:spPr>
           <a:xfrm>
-            <a:off x="3848950" y="1281222"/>
-            <a:ext cx="1360967" cy="510363"/>
+            <a:off x="3848950" y="1240042"/>
+            <a:ext cx="1360967" cy="435936"/>
           </a:xfrm>
           <a:prstGeom prst="rect">
             <a:avLst/>
@@ -5343,10 +5334,199 @@
           </a:p>
         </p:txBody>
       </p:sp>
+      <p:sp>
+        <p:nvSpPr>
+          <p:cNvPr id="32" name="Rectangle 31">
+            <a:extLst>
+              <a:ext uri="{FF2B5EF4-FFF2-40B4-BE49-F238E27FC236}">
+                <a16:creationId xmlns:a16="http://schemas.microsoft.com/office/drawing/2014/main" id="{D3FA2E88-4AA9-4F4D-8FD0-45D0BD4E01E0}"/>
+              </a:ext>
+            </a:extLst>
+          </p:cNvPr>
+          <p:cNvSpPr/>
+          <p:nvPr/>
+        </p:nvSpPr>
+        <p:spPr>
+          <a:xfrm>
+            <a:off x="5683030" y="1905126"/>
+            <a:ext cx="2970028" cy="435936"/>
+          </a:xfrm>
+          <a:prstGeom prst="rect">
+            <a:avLst/>
+          </a:prstGeom>
+          <a:solidFill>
+            <a:schemeClr val="accent1">
+              <a:lumMod val="20000"/>
+              <a:lumOff val="80000"/>
+            </a:schemeClr>
+          </a:solidFill>
+          <a:ln>
+            <a:solidFill>
+              <a:schemeClr val="accent1">
+                <a:lumMod val="60000"/>
+                <a:lumOff val="40000"/>
+              </a:schemeClr>
+            </a:solidFill>
+          </a:ln>
+        </p:spPr>
+        <p:style>
+          <a:lnRef idx="2">
+            <a:schemeClr val="accent1">
+              <a:shade val="50000"/>
+            </a:schemeClr>
+          </a:lnRef>
+          <a:fillRef idx="1">
+            <a:schemeClr val="accent1"/>
+          </a:fillRef>
+          <a:effectRef idx="0">
+            <a:schemeClr val="accent1"/>
+          </a:effectRef>
+          <a:fontRef idx="minor">
+            <a:schemeClr val="lt1"/>
+          </a:fontRef>
+        </p:style>
+        <p:txBody>
+          <a:bodyPr rtlCol="0" anchor="ctr"/>
+          <a:lstStyle/>
+          <a:p>
+            <a:pPr algn="ctr"/>
+            <a:r>
+              <a:rPr lang="en-US" dirty="0"/>
+              <a:t>Marketplace</a:t>
+            </a:r>
+          </a:p>
+        </p:txBody>
+      </p:sp>
+      <p:sp>
+        <p:nvSpPr>
+          <p:cNvPr id="34" name="Rectangle 33">
+            <a:extLst>
+              <a:ext uri="{FF2B5EF4-FFF2-40B4-BE49-F238E27FC236}">
+                <a16:creationId xmlns:a16="http://schemas.microsoft.com/office/drawing/2014/main" id="{5380F2A4-5C4E-7F40-8EAD-B0A9F6F32103}"/>
+              </a:ext>
+            </a:extLst>
+          </p:cNvPr>
+          <p:cNvSpPr/>
+          <p:nvPr/>
+        </p:nvSpPr>
+        <p:spPr>
+          <a:xfrm>
+            <a:off x="373939" y="1905126"/>
+            <a:ext cx="2970028" cy="435936"/>
+          </a:xfrm>
+          <a:prstGeom prst="rect">
+            <a:avLst/>
+          </a:prstGeom>
+          <a:solidFill>
+            <a:schemeClr val="accent1">
+              <a:lumMod val="20000"/>
+              <a:lumOff val="80000"/>
+            </a:schemeClr>
+          </a:solidFill>
+          <a:ln>
+            <a:solidFill>
+              <a:schemeClr val="accent1">
+                <a:lumMod val="60000"/>
+                <a:lumOff val="40000"/>
+              </a:schemeClr>
+            </a:solidFill>
+          </a:ln>
+        </p:spPr>
+        <p:style>
+          <a:lnRef idx="2">
+            <a:schemeClr val="accent1">
+              <a:shade val="50000"/>
+            </a:schemeClr>
+          </a:lnRef>
+          <a:fillRef idx="1">
+            <a:schemeClr val="accent1"/>
+          </a:fillRef>
+          <a:effectRef idx="0">
+            <a:schemeClr val="accent1"/>
+          </a:effectRef>
+          <a:fontRef idx="minor">
+            <a:schemeClr val="lt1"/>
+          </a:fontRef>
+        </p:style>
+        <p:txBody>
+          <a:bodyPr rtlCol="0" anchor="ctr"/>
+          <a:lstStyle/>
+          <a:p>
+            <a:pPr algn="ctr"/>
+            <a:r>
+              <a:rPr lang="en-US" dirty="0"/>
+              <a:t>Portal</a:t>
+            </a:r>
+          </a:p>
+        </p:txBody>
+      </p:sp>
+      <p:sp>
+        <p:nvSpPr>
+          <p:cNvPr id="35" name="Rectangle 34">
+            <a:extLst>
+              <a:ext uri="{FF2B5EF4-FFF2-40B4-BE49-F238E27FC236}">
+                <a16:creationId xmlns:a16="http://schemas.microsoft.com/office/drawing/2014/main" id="{5070D854-2878-9448-B5D8-DC23EC7B7F21}"/>
+              </a:ext>
+            </a:extLst>
+          </p:cNvPr>
+          <p:cNvSpPr/>
+          <p:nvPr/>
+        </p:nvSpPr>
+        <p:spPr>
+          <a:xfrm>
+            <a:off x="3835264" y="1905126"/>
+            <a:ext cx="1360967" cy="435936"/>
+          </a:xfrm>
+          <a:prstGeom prst="rect">
+            <a:avLst/>
+          </a:prstGeom>
+          <a:solidFill>
+            <a:schemeClr val="accent1">
+              <a:lumMod val="20000"/>
+              <a:lumOff val="80000"/>
+            </a:schemeClr>
+          </a:solidFill>
+          <a:ln>
+            <a:solidFill>
+              <a:schemeClr val="accent1">
+                <a:lumMod val="60000"/>
+                <a:lumOff val="40000"/>
+              </a:schemeClr>
+            </a:solidFill>
+          </a:ln>
+        </p:spPr>
+        <p:style>
+          <a:lnRef idx="2">
+            <a:schemeClr val="accent1">
+              <a:shade val="50000"/>
+            </a:schemeClr>
+          </a:lnRef>
+          <a:fillRef idx="1">
+            <a:schemeClr val="accent1"/>
+          </a:fillRef>
+          <a:effectRef idx="0">
+            <a:schemeClr val="accent1"/>
+          </a:effectRef>
+          <a:fontRef idx="minor">
+            <a:schemeClr val="lt1"/>
+          </a:fontRef>
+        </p:style>
+        <p:txBody>
+          <a:bodyPr rtlCol="0" anchor="ctr"/>
+          <a:lstStyle/>
+          <a:p>
+            <a:pPr algn="ctr"/>
+            <a:r>
+              <a:rPr lang="en-US" dirty="0"/>
+              <a:t>Portal</a:t>
+            </a:r>
+          </a:p>
+        </p:txBody>
+      </p:sp>
     </p:spTree>
     <p:extLst>
       <p:ext uri="{BB962C8B-B14F-4D97-AF65-F5344CB8AC3E}">
-        <p14:creationId xmlns:p14="http://schemas.microsoft.com/office/powerpoint/2010/main" val="1328469906"/>
+        <p14:creationId xmlns:p14="http://schemas.microsoft.com/office/powerpoint/2010/main" val="3442600529"/>
       </p:ext>
     </p:extLst>
   </p:cSld>
@@ -5387,8 +5567,8 @@
         </p:nvSpPr>
         <p:spPr>
           <a:xfrm>
-            <a:off x="405811" y="5085905"/>
-            <a:ext cx="1360967" cy="510363"/>
+            <a:off x="405810" y="5232314"/>
+            <a:ext cx="1360967" cy="435936"/>
           </a:xfrm>
           <a:prstGeom prst="rect">
             <a:avLst/>
@@ -5446,8 +5626,8 @@
         </p:nvSpPr>
         <p:spPr>
           <a:xfrm>
-            <a:off x="3277431" y="2417139"/>
-            <a:ext cx="2504004" cy="1244677"/>
+            <a:off x="3277431" y="2940776"/>
+            <a:ext cx="2504004" cy="1073259"/>
           </a:xfrm>
           <a:prstGeom prst="rect">
             <a:avLst/>
@@ -5483,20 +5663,6 @@
             <a:r>
               <a:rPr lang="en-US" dirty="0"/>
               <a:t>Catalog</a:t>
-            </a:r>
-          </a:p>
-          <a:p>
-            <a:pPr algn="r"/>
-            <a:r>
-              <a:rPr lang="en-US" dirty="0"/>
-              <a:t>Portal</a:t>
-            </a:r>
-          </a:p>
-          <a:p>
-            <a:pPr algn="r"/>
-            <a:r>
-              <a:rPr lang="en-US" dirty="0"/>
-              <a:t>Marketplace</a:t>
             </a:r>
           </a:p>
         </p:txBody>
@@ -5529,7 +5695,7 @@
         </p:blipFill>
         <p:spPr>
           <a:xfrm>
-            <a:off x="3343967" y="2482119"/>
+            <a:off x="3343967" y="3005906"/>
             <a:ext cx="1903079" cy="942998"/>
           </a:xfrm>
           <a:prstGeom prst="rect">
@@ -5551,8 +5717,8 @@
         </p:nvSpPr>
         <p:spPr>
           <a:xfrm>
-            <a:off x="2014871" y="5085905"/>
-            <a:ext cx="1360967" cy="510363"/>
+            <a:off x="2014870" y="5232314"/>
+            <a:ext cx="1360967" cy="435936"/>
           </a:xfrm>
           <a:prstGeom prst="rect">
             <a:avLst/>
@@ -5610,8 +5776,8 @@
         </p:nvSpPr>
         <p:spPr>
           <a:xfrm>
-            <a:off x="3815317" y="5085905"/>
-            <a:ext cx="1360967" cy="510363"/>
+            <a:off x="3815317" y="5233409"/>
+            <a:ext cx="1360967" cy="435936"/>
           </a:xfrm>
           <a:prstGeom prst="rect">
             <a:avLst/>
@@ -5669,8 +5835,8 @@
         </p:nvSpPr>
         <p:spPr>
           <a:xfrm>
-            <a:off x="5424377" y="5085905"/>
-            <a:ext cx="1360967" cy="510363"/>
+            <a:off x="5424377" y="5232314"/>
+            <a:ext cx="1360967" cy="435936"/>
           </a:xfrm>
           <a:prstGeom prst="rect">
             <a:avLst/>
@@ -5728,8 +5894,8 @@
         </p:nvSpPr>
         <p:spPr>
           <a:xfrm>
-            <a:off x="7224823" y="5085906"/>
-            <a:ext cx="1360967" cy="510363"/>
+            <a:off x="7224822" y="5233409"/>
+            <a:ext cx="1360967" cy="435936"/>
           </a:xfrm>
           <a:prstGeom prst="rect">
             <a:avLst/>
@@ -5787,8 +5953,8 @@
         </p:nvSpPr>
         <p:spPr>
           <a:xfrm>
-            <a:off x="405810" y="4263654"/>
-            <a:ext cx="2970028" cy="510363"/>
+            <a:off x="405810" y="4556049"/>
+            <a:ext cx="2970028" cy="435936"/>
           </a:xfrm>
           <a:prstGeom prst="rect">
             <a:avLst/>
@@ -5850,8 +6016,8 @@
         </p:nvSpPr>
         <p:spPr>
           <a:xfrm>
-            <a:off x="3815316" y="4263654"/>
-            <a:ext cx="2970028" cy="510363"/>
+            <a:off x="3815316" y="4556049"/>
+            <a:ext cx="2970028" cy="435936"/>
           </a:xfrm>
           <a:prstGeom prst="rect">
             <a:avLst/>
@@ -5913,8 +6079,8 @@
         </p:nvSpPr>
         <p:spPr>
           <a:xfrm>
-            <a:off x="7224822" y="4263654"/>
-            <a:ext cx="1360967" cy="510363"/>
+            <a:off x="7224822" y="4556049"/>
+            <a:ext cx="1360967" cy="435936"/>
           </a:xfrm>
           <a:prstGeom prst="rect">
             <a:avLst/>
@@ -5976,8 +6142,8 @@
         </p:nvSpPr>
         <p:spPr>
           <a:xfrm>
-            <a:off x="405810" y="1282996"/>
-            <a:ext cx="1360967" cy="510363"/>
+            <a:off x="405810" y="1253543"/>
+            <a:ext cx="1360967" cy="435936"/>
           </a:xfrm>
           <a:prstGeom prst="rect">
             <a:avLst/>
@@ -6035,8 +6201,8 @@
         </p:nvSpPr>
         <p:spPr>
           <a:xfrm>
-            <a:off x="2014870" y="1282996"/>
-            <a:ext cx="1360967" cy="510363"/>
+            <a:off x="2014870" y="1253543"/>
+            <a:ext cx="1360967" cy="435936"/>
           </a:xfrm>
           <a:prstGeom prst="rect">
             <a:avLst/>
@@ -6158,8 +6324,8 @@
         </p:nvSpPr>
         <p:spPr>
           <a:xfrm>
-            <a:off x="5683030" y="1282996"/>
-            <a:ext cx="1360967" cy="510363"/>
+            <a:off x="5683030" y="1240042"/>
+            <a:ext cx="1360967" cy="435936"/>
           </a:xfrm>
           <a:prstGeom prst="rect">
             <a:avLst/>
@@ -6217,8 +6383,8 @@
         </p:nvSpPr>
         <p:spPr>
           <a:xfrm>
-            <a:off x="7292090" y="1282996"/>
-            <a:ext cx="1360967" cy="510363"/>
+            <a:off x="7292090" y="1240042"/>
+            <a:ext cx="1360967" cy="435936"/>
           </a:xfrm>
           <a:prstGeom prst="rect">
             <a:avLst/>
@@ -6276,8 +6442,8 @@
         </p:nvSpPr>
         <p:spPr>
           <a:xfrm>
-            <a:off x="3848950" y="1281222"/>
-            <a:ext cx="1360967" cy="510363"/>
+            <a:off x="3848950" y="1240042"/>
+            <a:ext cx="1360967" cy="435936"/>
           </a:xfrm>
           <a:prstGeom prst="rect">
             <a:avLst/>
@@ -6321,12 +6487,201 @@
           </a:p>
         </p:txBody>
       </p:sp>
+      <p:sp>
+        <p:nvSpPr>
+          <p:cNvPr id="32" name="Rectangle 31">
+            <a:extLst>
+              <a:ext uri="{FF2B5EF4-FFF2-40B4-BE49-F238E27FC236}">
+                <a16:creationId xmlns:a16="http://schemas.microsoft.com/office/drawing/2014/main" id="{D3FA2E88-4AA9-4F4D-8FD0-45D0BD4E01E0}"/>
+              </a:ext>
+            </a:extLst>
+          </p:cNvPr>
+          <p:cNvSpPr/>
+          <p:nvPr/>
+        </p:nvSpPr>
+        <p:spPr>
+          <a:xfrm>
+            <a:off x="5683030" y="1905126"/>
+            <a:ext cx="2970028" cy="435936"/>
+          </a:xfrm>
+          <a:prstGeom prst="rect">
+            <a:avLst/>
+          </a:prstGeom>
+          <a:solidFill>
+            <a:schemeClr val="accent1">
+              <a:lumMod val="20000"/>
+              <a:lumOff val="80000"/>
+            </a:schemeClr>
+          </a:solidFill>
+          <a:ln>
+            <a:solidFill>
+              <a:schemeClr val="accent1">
+                <a:lumMod val="60000"/>
+                <a:lumOff val="40000"/>
+              </a:schemeClr>
+            </a:solidFill>
+          </a:ln>
+        </p:spPr>
+        <p:style>
+          <a:lnRef idx="2">
+            <a:schemeClr val="accent1">
+              <a:shade val="50000"/>
+            </a:schemeClr>
+          </a:lnRef>
+          <a:fillRef idx="1">
+            <a:schemeClr val="accent1"/>
+          </a:fillRef>
+          <a:effectRef idx="0">
+            <a:schemeClr val="accent1"/>
+          </a:effectRef>
+          <a:fontRef idx="minor">
+            <a:schemeClr val="lt1"/>
+          </a:fontRef>
+        </p:style>
+        <p:txBody>
+          <a:bodyPr rtlCol="0" anchor="ctr"/>
+          <a:lstStyle/>
+          <a:p>
+            <a:pPr algn="ctr"/>
+            <a:r>
+              <a:rPr lang="en-US" dirty="0"/>
+              <a:t>Marketplace</a:t>
+            </a:r>
+          </a:p>
+        </p:txBody>
+      </p:sp>
+      <p:sp>
+        <p:nvSpPr>
+          <p:cNvPr id="34" name="Rectangle 33">
+            <a:extLst>
+              <a:ext uri="{FF2B5EF4-FFF2-40B4-BE49-F238E27FC236}">
+                <a16:creationId xmlns:a16="http://schemas.microsoft.com/office/drawing/2014/main" id="{5380F2A4-5C4E-7F40-8EAD-B0A9F6F32103}"/>
+              </a:ext>
+            </a:extLst>
+          </p:cNvPr>
+          <p:cNvSpPr/>
+          <p:nvPr/>
+        </p:nvSpPr>
+        <p:spPr>
+          <a:xfrm>
+            <a:off x="373939" y="1905126"/>
+            <a:ext cx="2970028" cy="435936"/>
+          </a:xfrm>
+          <a:prstGeom prst="rect">
+            <a:avLst/>
+          </a:prstGeom>
+          <a:solidFill>
+            <a:schemeClr val="accent1">
+              <a:lumMod val="20000"/>
+              <a:lumOff val="80000"/>
+            </a:schemeClr>
+          </a:solidFill>
+          <a:ln>
+            <a:solidFill>
+              <a:schemeClr val="accent1">
+                <a:lumMod val="60000"/>
+                <a:lumOff val="40000"/>
+              </a:schemeClr>
+            </a:solidFill>
+          </a:ln>
+        </p:spPr>
+        <p:style>
+          <a:lnRef idx="2">
+            <a:schemeClr val="accent1">
+              <a:shade val="50000"/>
+            </a:schemeClr>
+          </a:lnRef>
+          <a:fillRef idx="1">
+            <a:schemeClr val="accent1"/>
+          </a:fillRef>
+          <a:effectRef idx="0">
+            <a:schemeClr val="accent1"/>
+          </a:effectRef>
+          <a:fontRef idx="minor">
+            <a:schemeClr val="lt1"/>
+          </a:fontRef>
+        </p:style>
+        <p:txBody>
+          <a:bodyPr rtlCol="0" anchor="ctr"/>
+          <a:lstStyle/>
+          <a:p>
+            <a:pPr algn="ctr"/>
+            <a:r>
+              <a:rPr lang="en-US" dirty="0"/>
+              <a:t>Portal</a:t>
+            </a:r>
+          </a:p>
+        </p:txBody>
+      </p:sp>
+      <p:sp>
+        <p:nvSpPr>
+          <p:cNvPr id="35" name="Rectangle 34">
+            <a:extLst>
+              <a:ext uri="{FF2B5EF4-FFF2-40B4-BE49-F238E27FC236}">
+                <a16:creationId xmlns:a16="http://schemas.microsoft.com/office/drawing/2014/main" id="{5070D854-2878-9448-B5D8-DC23EC7B7F21}"/>
+              </a:ext>
+            </a:extLst>
+          </p:cNvPr>
+          <p:cNvSpPr/>
+          <p:nvPr/>
+        </p:nvSpPr>
+        <p:spPr>
+          <a:xfrm>
+            <a:off x="3835264" y="1905126"/>
+            <a:ext cx="1360967" cy="435936"/>
+          </a:xfrm>
+          <a:prstGeom prst="rect">
+            <a:avLst/>
+          </a:prstGeom>
+          <a:solidFill>
+            <a:schemeClr val="accent1">
+              <a:lumMod val="20000"/>
+              <a:lumOff val="80000"/>
+            </a:schemeClr>
+          </a:solidFill>
+          <a:ln>
+            <a:solidFill>
+              <a:schemeClr val="accent1">
+                <a:lumMod val="60000"/>
+                <a:lumOff val="40000"/>
+              </a:schemeClr>
+            </a:solidFill>
+          </a:ln>
+        </p:spPr>
+        <p:style>
+          <a:lnRef idx="2">
+            <a:schemeClr val="accent1">
+              <a:shade val="50000"/>
+            </a:schemeClr>
+          </a:lnRef>
+          <a:fillRef idx="1">
+            <a:schemeClr val="accent1"/>
+          </a:fillRef>
+          <a:effectRef idx="0">
+            <a:schemeClr val="accent1"/>
+          </a:effectRef>
+          <a:fontRef idx="minor">
+            <a:schemeClr val="lt1"/>
+          </a:fontRef>
+        </p:style>
+        <p:txBody>
+          <a:bodyPr rtlCol="0" anchor="ctr"/>
+          <a:lstStyle/>
+          <a:p>
+            <a:pPr algn="ctr"/>
+            <a:r>
+              <a:rPr lang="en-US" dirty="0"/>
+              <a:t>Portal</a:t>
+            </a:r>
+          </a:p>
+        </p:txBody>
+      </p:sp>
       <p:pic>
         <p:nvPicPr>
-          <p:cNvPr id="33" name="Picture 32">
-            <a:extLst>
-              <a:ext uri="{FF2B5EF4-FFF2-40B4-BE49-F238E27FC236}">
-                <a16:creationId xmlns:a16="http://schemas.microsoft.com/office/drawing/2014/main" id="{6389B22B-4DEB-3641-AA41-90954C7AC73F}"/>
+          <p:cNvPr id="36" name="Picture 35">
+            <a:extLst>
+              <a:ext uri="{FF2B5EF4-FFF2-40B4-BE49-F238E27FC236}">
+                <a16:creationId xmlns:a16="http://schemas.microsoft.com/office/drawing/2014/main" id="{FF748643-E7B8-114A-AFC2-3424D2ED957D}"/>
               </a:ext>
             </a:extLst>
           </p:cNvPr>
@@ -6354,7 +6709,7 @@
     </p:spTree>
     <p:extLst>
       <p:ext uri="{BB962C8B-B14F-4D97-AF65-F5344CB8AC3E}">
-        <p14:creationId xmlns:p14="http://schemas.microsoft.com/office/powerpoint/2010/main" val="3981642608"/>
+        <p14:creationId xmlns:p14="http://schemas.microsoft.com/office/powerpoint/2010/main" val="715553506"/>
       </p:ext>
     </p:extLst>
   </p:cSld>
@@ -6395,8 +6750,8 @@
         </p:nvSpPr>
         <p:spPr>
           <a:xfrm>
-            <a:off x="405811" y="5709682"/>
-            <a:ext cx="1360967" cy="510363"/>
+            <a:off x="405811" y="5784109"/>
+            <a:ext cx="1360967" cy="435936"/>
           </a:xfrm>
           <a:prstGeom prst="rect">
             <a:avLst/>
@@ -6449,8 +6804,8 @@
         </p:nvSpPr>
         <p:spPr>
           <a:xfrm>
-            <a:off x="405811" y="5085905"/>
-            <a:ext cx="1360967" cy="510363"/>
+            <a:off x="405810" y="5232314"/>
+            <a:ext cx="1360967" cy="435936"/>
           </a:xfrm>
           <a:prstGeom prst="rect">
             <a:avLst/>
@@ -6508,8 +6863,8 @@
         </p:nvSpPr>
         <p:spPr>
           <a:xfrm>
-            <a:off x="3277431" y="2417139"/>
-            <a:ext cx="2504004" cy="1244677"/>
+            <a:off x="3277431" y="2940776"/>
+            <a:ext cx="2504004" cy="1073259"/>
           </a:xfrm>
           <a:prstGeom prst="rect">
             <a:avLst/>
@@ -6545,20 +6900,6 @@
             <a:r>
               <a:rPr lang="en-US" dirty="0"/>
               <a:t>Catalog</a:t>
-            </a:r>
-          </a:p>
-          <a:p>
-            <a:pPr algn="r"/>
-            <a:r>
-              <a:rPr lang="en-US" dirty="0"/>
-              <a:t>Portal</a:t>
-            </a:r>
-          </a:p>
-          <a:p>
-            <a:pPr algn="r"/>
-            <a:r>
-              <a:rPr lang="en-US" dirty="0"/>
-              <a:t>Marketplace</a:t>
             </a:r>
           </a:p>
         </p:txBody>
@@ -6591,7 +6932,7 @@
         </p:blipFill>
         <p:spPr>
           <a:xfrm>
-            <a:off x="3343967" y="2482119"/>
+            <a:off x="3343967" y="3005906"/>
             <a:ext cx="1903079" cy="942998"/>
           </a:xfrm>
           <a:prstGeom prst="rect">
@@ -6613,8 +6954,8 @@
         </p:nvSpPr>
         <p:spPr>
           <a:xfrm>
-            <a:off x="2014871" y="5709682"/>
-            <a:ext cx="1360967" cy="510363"/>
+            <a:off x="2014871" y="5784109"/>
+            <a:ext cx="1360967" cy="435936"/>
           </a:xfrm>
           <a:prstGeom prst="rect">
             <a:avLst/>
@@ -6667,8 +7008,8 @@
         </p:nvSpPr>
         <p:spPr>
           <a:xfrm>
-            <a:off x="2014871" y="5085905"/>
-            <a:ext cx="1360967" cy="510363"/>
+            <a:off x="2014870" y="5232314"/>
+            <a:ext cx="1360967" cy="435936"/>
           </a:xfrm>
           <a:prstGeom prst="rect">
             <a:avLst/>
@@ -6726,8 +7067,8 @@
         </p:nvSpPr>
         <p:spPr>
           <a:xfrm>
-            <a:off x="3815317" y="5709682"/>
-            <a:ext cx="1360967" cy="510363"/>
+            <a:off x="3815317" y="5784109"/>
+            <a:ext cx="1360967" cy="435936"/>
           </a:xfrm>
           <a:prstGeom prst="rect">
             <a:avLst/>
@@ -6780,8 +7121,8 @@
         </p:nvSpPr>
         <p:spPr>
           <a:xfrm>
-            <a:off x="3815317" y="5085905"/>
-            <a:ext cx="1360967" cy="510363"/>
+            <a:off x="3815317" y="5233409"/>
+            <a:ext cx="1360967" cy="435936"/>
           </a:xfrm>
           <a:prstGeom prst="rect">
             <a:avLst/>
@@ -6839,8 +7180,8 @@
         </p:nvSpPr>
         <p:spPr>
           <a:xfrm>
-            <a:off x="5424377" y="5709682"/>
-            <a:ext cx="1360967" cy="510363"/>
+            <a:off x="5424377" y="5784109"/>
+            <a:ext cx="1360967" cy="435936"/>
           </a:xfrm>
           <a:prstGeom prst="rect">
             <a:avLst/>
@@ -6893,8 +7234,8 @@
         </p:nvSpPr>
         <p:spPr>
           <a:xfrm>
-            <a:off x="5424377" y="5085905"/>
-            <a:ext cx="1360967" cy="510363"/>
+            <a:off x="5424377" y="5232314"/>
+            <a:ext cx="1360967" cy="435936"/>
           </a:xfrm>
           <a:prstGeom prst="rect">
             <a:avLst/>
@@ -6952,8 +7293,8 @@
         </p:nvSpPr>
         <p:spPr>
           <a:xfrm>
-            <a:off x="7224823" y="5709683"/>
-            <a:ext cx="1360967" cy="510363"/>
+            <a:off x="7224823" y="5784110"/>
+            <a:ext cx="1360967" cy="435936"/>
           </a:xfrm>
           <a:prstGeom prst="rect">
             <a:avLst/>
@@ -7006,8 +7347,8 @@
         </p:nvSpPr>
         <p:spPr>
           <a:xfrm>
-            <a:off x="7224823" y="5085906"/>
-            <a:ext cx="1360967" cy="510363"/>
+            <a:off x="7224822" y="5233409"/>
+            <a:ext cx="1360967" cy="435936"/>
           </a:xfrm>
           <a:prstGeom prst="rect">
             <a:avLst/>
@@ -7065,8 +7406,8 @@
         </p:nvSpPr>
         <p:spPr>
           <a:xfrm>
-            <a:off x="405810" y="4263654"/>
-            <a:ext cx="2970028" cy="510363"/>
+            <a:off x="405810" y="4556049"/>
+            <a:ext cx="2970028" cy="435936"/>
           </a:xfrm>
           <a:prstGeom prst="rect">
             <a:avLst/>
@@ -7128,8 +7469,8 @@
         </p:nvSpPr>
         <p:spPr>
           <a:xfrm>
-            <a:off x="3815316" y="4263654"/>
-            <a:ext cx="2970028" cy="510363"/>
+            <a:off x="3815316" y="4556049"/>
+            <a:ext cx="2970028" cy="435936"/>
           </a:xfrm>
           <a:prstGeom prst="rect">
             <a:avLst/>
@@ -7191,8 +7532,8 @@
         </p:nvSpPr>
         <p:spPr>
           <a:xfrm>
-            <a:off x="7224822" y="4263654"/>
-            <a:ext cx="1360967" cy="510363"/>
+            <a:off x="7224822" y="4556049"/>
+            <a:ext cx="1360967" cy="435936"/>
           </a:xfrm>
           <a:prstGeom prst="rect">
             <a:avLst/>
@@ -7254,8 +7595,8 @@
         </p:nvSpPr>
         <p:spPr>
           <a:xfrm>
-            <a:off x="405810" y="616689"/>
-            <a:ext cx="2970028" cy="510363"/>
+            <a:off x="405810" y="691116"/>
+            <a:ext cx="2970028" cy="435936"/>
           </a:xfrm>
           <a:prstGeom prst="rect">
             <a:avLst/>
@@ -7308,8 +7649,8 @@
         </p:nvSpPr>
         <p:spPr>
           <a:xfrm>
-            <a:off x="405810" y="1282996"/>
-            <a:ext cx="1360967" cy="510363"/>
+            <a:off x="405810" y="1253543"/>
+            <a:ext cx="1360967" cy="435936"/>
           </a:xfrm>
           <a:prstGeom prst="rect">
             <a:avLst/>
@@ -7367,8 +7708,8 @@
         </p:nvSpPr>
         <p:spPr>
           <a:xfrm>
-            <a:off x="2014870" y="1282996"/>
-            <a:ext cx="1360967" cy="510363"/>
+            <a:off x="2014870" y="1253543"/>
+            <a:ext cx="1360967" cy="435936"/>
           </a:xfrm>
           <a:prstGeom prst="rect">
             <a:avLst/>
@@ -7554,8 +7895,8 @@
         </p:nvSpPr>
         <p:spPr>
           <a:xfrm>
-            <a:off x="5683030" y="616689"/>
-            <a:ext cx="2970028" cy="510363"/>
+            <a:off x="5683030" y="691116"/>
+            <a:ext cx="2970028" cy="435936"/>
           </a:xfrm>
           <a:prstGeom prst="rect">
             <a:avLst/>
@@ -7608,8 +7949,8 @@
         </p:nvSpPr>
         <p:spPr>
           <a:xfrm>
-            <a:off x="5683030" y="1282996"/>
-            <a:ext cx="1360967" cy="510363"/>
+            <a:off x="5683030" y="1240042"/>
+            <a:ext cx="1360967" cy="435936"/>
           </a:xfrm>
           <a:prstGeom prst="rect">
             <a:avLst/>
@@ -7667,8 +8008,8 @@
         </p:nvSpPr>
         <p:spPr>
           <a:xfrm>
-            <a:off x="7292090" y="1282996"/>
-            <a:ext cx="1360967" cy="510363"/>
+            <a:off x="7292090" y="1240042"/>
+            <a:ext cx="1360967" cy="435936"/>
           </a:xfrm>
           <a:prstGeom prst="rect">
             <a:avLst/>
@@ -7726,8 +8067,8 @@
         </p:nvSpPr>
         <p:spPr>
           <a:xfrm>
-            <a:off x="3848950" y="614915"/>
-            <a:ext cx="1360967" cy="510363"/>
+            <a:off x="3848950" y="689342"/>
+            <a:ext cx="1360967" cy="435936"/>
           </a:xfrm>
           <a:prstGeom prst="rect">
             <a:avLst/>
@@ -7780,8 +8121,8 @@
         </p:nvSpPr>
         <p:spPr>
           <a:xfrm>
-            <a:off x="3848950" y="1281222"/>
-            <a:ext cx="1360967" cy="510363"/>
+            <a:off x="3848950" y="1240042"/>
+            <a:ext cx="1360967" cy="435936"/>
           </a:xfrm>
           <a:prstGeom prst="rect">
             <a:avLst/>
@@ -7855,10 +8196,199 @@
           </a:prstGeom>
         </p:spPr>
       </p:pic>
+      <p:sp>
+        <p:nvSpPr>
+          <p:cNvPr id="32" name="Rectangle 31">
+            <a:extLst>
+              <a:ext uri="{FF2B5EF4-FFF2-40B4-BE49-F238E27FC236}">
+                <a16:creationId xmlns:a16="http://schemas.microsoft.com/office/drawing/2014/main" id="{D3FA2E88-4AA9-4F4D-8FD0-45D0BD4E01E0}"/>
+              </a:ext>
+            </a:extLst>
+          </p:cNvPr>
+          <p:cNvSpPr/>
+          <p:nvPr/>
+        </p:nvSpPr>
+        <p:spPr>
+          <a:xfrm>
+            <a:off x="5683030" y="1905126"/>
+            <a:ext cx="2970028" cy="435936"/>
+          </a:xfrm>
+          <a:prstGeom prst="rect">
+            <a:avLst/>
+          </a:prstGeom>
+          <a:solidFill>
+            <a:schemeClr val="accent1">
+              <a:lumMod val="20000"/>
+              <a:lumOff val="80000"/>
+            </a:schemeClr>
+          </a:solidFill>
+          <a:ln>
+            <a:solidFill>
+              <a:schemeClr val="accent1">
+                <a:lumMod val="60000"/>
+                <a:lumOff val="40000"/>
+              </a:schemeClr>
+            </a:solidFill>
+          </a:ln>
+        </p:spPr>
+        <p:style>
+          <a:lnRef idx="2">
+            <a:schemeClr val="accent1">
+              <a:shade val="50000"/>
+            </a:schemeClr>
+          </a:lnRef>
+          <a:fillRef idx="1">
+            <a:schemeClr val="accent1"/>
+          </a:fillRef>
+          <a:effectRef idx="0">
+            <a:schemeClr val="accent1"/>
+          </a:effectRef>
+          <a:fontRef idx="minor">
+            <a:schemeClr val="lt1"/>
+          </a:fontRef>
+        </p:style>
+        <p:txBody>
+          <a:bodyPr rtlCol="0" anchor="ctr"/>
+          <a:lstStyle/>
+          <a:p>
+            <a:pPr algn="ctr"/>
+            <a:r>
+              <a:rPr lang="en-US" dirty="0"/>
+              <a:t>Marketplace</a:t>
+            </a:r>
+          </a:p>
+        </p:txBody>
+      </p:sp>
+      <p:sp>
+        <p:nvSpPr>
+          <p:cNvPr id="34" name="Rectangle 33">
+            <a:extLst>
+              <a:ext uri="{FF2B5EF4-FFF2-40B4-BE49-F238E27FC236}">
+                <a16:creationId xmlns:a16="http://schemas.microsoft.com/office/drawing/2014/main" id="{5380F2A4-5C4E-7F40-8EAD-B0A9F6F32103}"/>
+              </a:ext>
+            </a:extLst>
+          </p:cNvPr>
+          <p:cNvSpPr/>
+          <p:nvPr/>
+        </p:nvSpPr>
+        <p:spPr>
+          <a:xfrm>
+            <a:off x="373939" y="1905126"/>
+            <a:ext cx="2970028" cy="435936"/>
+          </a:xfrm>
+          <a:prstGeom prst="rect">
+            <a:avLst/>
+          </a:prstGeom>
+          <a:solidFill>
+            <a:schemeClr val="accent1">
+              <a:lumMod val="20000"/>
+              <a:lumOff val="80000"/>
+            </a:schemeClr>
+          </a:solidFill>
+          <a:ln>
+            <a:solidFill>
+              <a:schemeClr val="accent1">
+                <a:lumMod val="60000"/>
+                <a:lumOff val="40000"/>
+              </a:schemeClr>
+            </a:solidFill>
+          </a:ln>
+        </p:spPr>
+        <p:style>
+          <a:lnRef idx="2">
+            <a:schemeClr val="accent1">
+              <a:shade val="50000"/>
+            </a:schemeClr>
+          </a:lnRef>
+          <a:fillRef idx="1">
+            <a:schemeClr val="accent1"/>
+          </a:fillRef>
+          <a:effectRef idx="0">
+            <a:schemeClr val="accent1"/>
+          </a:effectRef>
+          <a:fontRef idx="minor">
+            <a:schemeClr val="lt1"/>
+          </a:fontRef>
+        </p:style>
+        <p:txBody>
+          <a:bodyPr rtlCol="0" anchor="ctr"/>
+          <a:lstStyle/>
+          <a:p>
+            <a:pPr algn="ctr"/>
+            <a:r>
+              <a:rPr lang="en-US" dirty="0"/>
+              <a:t>Portal</a:t>
+            </a:r>
+          </a:p>
+        </p:txBody>
+      </p:sp>
+      <p:sp>
+        <p:nvSpPr>
+          <p:cNvPr id="35" name="Rectangle 34">
+            <a:extLst>
+              <a:ext uri="{FF2B5EF4-FFF2-40B4-BE49-F238E27FC236}">
+                <a16:creationId xmlns:a16="http://schemas.microsoft.com/office/drawing/2014/main" id="{5070D854-2878-9448-B5D8-DC23EC7B7F21}"/>
+              </a:ext>
+            </a:extLst>
+          </p:cNvPr>
+          <p:cNvSpPr/>
+          <p:nvPr/>
+        </p:nvSpPr>
+        <p:spPr>
+          <a:xfrm>
+            <a:off x="3835264" y="1905126"/>
+            <a:ext cx="1360967" cy="435936"/>
+          </a:xfrm>
+          <a:prstGeom prst="rect">
+            <a:avLst/>
+          </a:prstGeom>
+          <a:solidFill>
+            <a:schemeClr val="accent1">
+              <a:lumMod val="20000"/>
+              <a:lumOff val="80000"/>
+            </a:schemeClr>
+          </a:solidFill>
+          <a:ln>
+            <a:solidFill>
+              <a:schemeClr val="accent1">
+                <a:lumMod val="60000"/>
+                <a:lumOff val="40000"/>
+              </a:schemeClr>
+            </a:solidFill>
+          </a:ln>
+        </p:spPr>
+        <p:style>
+          <a:lnRef idx="2">
+            <a:schemeClr val="accent1">
+              <a:shade val="50000"/>
+            </a:schemeClr>
+          </a:lnRef>
+          <a:fillRef idx="1">
+            <a:schemeClr val="accent1"/>
+          </a:fillRef>
+          <a:effectRef idx="0">
+            <a:schemeClr val="accent1"/>
+          </a:effectRef>
+          <a:fontRef idx="minor">
+            <a:schemeClr val="lt1"/>
+          </a:fontRef>
+        </p:style>
+        <p:txBody>
+          <a:bodyPr rtlCol="0" anchor="ctr"/>
+          <a:lstStyle/>
+          <a:p>
+            <a:pPr algn="ctr"/>
+            <a:r>
+              <a:rPr lang="en-US" dirty="0"/>
+              <a:t>Portal</a:t>
+            </a:r>
+          </a:p>
+        </p:txBody>
+      </p:sp>
     </p:spTree>
     <p:extLst>
       <p:ext uri="{BB962C8B-B14F-4D97-AF65-F5344CB8AC3E}">
-        <p14:creationId xmlns:p14="http://schemas.microsoft.com/office/powerpoint/2010/main" val="602249617"/>
+        <p14:creationId xmlns:p14="http://schemas.microsoft.com/office/powerpoint/2010/main" val="4075955793"/>
       </p:ext>
     </p:extLst>
   </p:cSld>

--- a/asc-2021/img/API-ERP.pptx
+++ b/asc-2021/img/API-ERP.pptx
@@ -263,7 +263,7 @@
           <a:p>
             <a:fld id="{ECE09280-3139-264F-8D17-EA79BB57EDA8}" type="datetimeFigureOut">
               <a:rPr lang="en-US" smtClean="0"/>
-              <a:t>9/14/21</a:t>
+              <a:t>10/7/21</a:t>
             </a:fld>
             <a:endParaRPr lang="en-US"/>
           </a:p>
@@ -461,7 +461,7 @@
           <a:p>
             <a:fld id="{ECE09280-3139-264F-8D17-EA79BB57EDA8}" type="datetimeFigureOut">
               <a:rPr lang="en-US" smtClean="0"/>
-              <a:t>9/14/21</a:t>
+              <a:t>10/7/21</a:t>
             </a:fld>
             <a:endParaRPr lang="en-US"/>
           </a:p>
@@ -669,7 +669,7 @@
           <a:p>
             <a:fld id="{ECE09280-3139-264F-8D17-EA79BB57EDA8}" type="datetimeFigureOut">
               <a:rPr lang="en-US" smtClean="0"/>
-              <a:t>9/14/21</a:t>
+              <a:t>10/7/21</a:t>
             </a:fld>
             <a:endParaRPr lang="en-US"/>
           </a:p>
@@ -867,7 +867,7 @@
           <a:p>
             <a:fld id="{ECE09280-3139-264F-8D17-EA79BB57EDA8}" type="datetimeFigureOut">
               <a:rPr lang="en-US" smtClean="0"/>
-              <a:t>9/14/21</a:t>
+              <a:t>10/7/21</a:t>
             </a:fld>
             <a:endParaRPr lang="en-US"/>
           </a:p>
@@ -1142,7 +1142,7 @@
           <a:p>
             <a:fld id="{ECE09280-3139-264F-8D17-EA79BB57EDA8}" type="datetimeFigureOut">
               <a:rPr lang="en-US" smtClean="0"/>
-              <a:t>9/14/21</a:t>
+              <a:t>10/7/21</a:t>
             </a:fld>
             <a:endParaRPr lang="en-US"/>
           </a:p>
@@ -1407,7 +1407,7 @@
           <a:p>
             <a:fld id="{ECE09280-3139-264F-8D17-EA79BB57EDA8}" type="datetimeFigureOut">
               <a:rPr lang="en-US" smtClean="0"/>
-              <a:t>9/14/21</a:t>
+              <a:t>10/7/21</a:t>
             </a:fld>
             <a:endParaRPr lang="en-US"/>
           </a:p>
@@ -1819,7 +1819,7 @@
           <a:p>
             <a:fld id="{ECE09280-3139-264F-8D17-EA79BB57EDA8}" type="datetimeFigureOut">
               <a:rPr lang="en-US" smtClean="0"/>
-              <a:t>9/14/21</a:t>
+              <a:t>10/7/21</a:t>
             </a:fld>
             <a:endParaRPr lang="en-US"/>
           </a:p>
@@ -1960,7 +1960,7 @@
           <a:p>
             <a:fld id="{ECE09280-3139-264F-8D17-EA79BB57EDA8}" type="datetimeFigureOut">
               <a:rPr lang="en-US" smtClean="0"/>
-              <a:t>9/14/21</a:t>
+              <a:t>10/7/21</a:t>
             </a:fld>
             <a:endParaRPr lang="en-US"/>
           </a:p>
@@ -2073,7 +2073,7 @@
           <a:p>
             <a:fld id="{ECE09280-3139-264F-8D17-EA79BB57EDA8}" type="datetimeFigureOut">
               <a:rPr lang="en-US" smtClean="0"/>
-              <a:t>9/14/21</a:t>
+              <a:t>10/7/21</a:t>
             </a:fld>
             <a:endParaRPr lang="en-US"/>
           </a:p>
@@ -2384,7 +2384,7 @@
           <a:p>
             <a:fld id="{ECE09280-3139-264F-8D17-EA79BB57EDA8}" type="datetimeFigureOut">
               <a:rPr lang="en-US" smtClean="0"/>
-              <a:t>9/14/21</a:t>
+              <a:t>10/7/21</a:t>
             </a:fld>
             <a:endParaRPr lang="en-US"/>
           </a:p>
@@ -2672,7 +2672,7 @@
           <a:p>
             <a:fld id="{ECE09280-3139-264F-8D17-EA79BB57EDA8}" type="datetimeFigureOut">
               <a:rPr lang="en-US" smtClean="0"/>
-              <a:t>9/14/21</a:t>
+              <a:t>10/7/21</a:t>
             </a:fld>
             <a:endParaRPr lang="en-US"/>
           </a:p>
@@ -2913,7 +2913,7 @@
           <a:p>
             <a:fld id="{ECE09280-3139-264F-8D17-EA79BB57EDA8}" type="datetimeFigureOut">
               <a:rPr lang="en-US" smtClean="0"/>
-              <a:t>9/14/21</a:t>
+              <a:t>10/7/21</a:t>
             </a:fld>
             <a:endParaRPr lang="en-US"/>
           </a:p>
@@ -5411,7 +5411,7 @@
         </p:nvSpPr>
         <p:spPr>
           <a:xfrm>
-            <a:off x="373939" y="1905126"/>
+            <a:off x="405810" y="1905126"/>
             <a:ext cx="2970028" cy="435936"/>
           </a:xfrm>
           <a:prstGeom prst="rect">
@@ -5474,7 +5474,7 @@
         </p:nvSpPr>
         <p:spPr>
           <a:xfrm>
-            <a:off x="3835264" y="1905126"/>
+            <a:off x="3848255" y="1905126"/>
             <a:ext cx="1360967" cy="435936"/>
           </a:xfrm>
           <a:prstGeom prst="rect">
@@ -6564,7 +6564,7 @@
         </p:nvSpPr>
         <p:spPr>
           <a:xfrm>
-            <a:off x="373939" y="1905126"/>
+            <a:off x="405810" y="1905126"/>
             <a:ext cx="2970028" cy="435936"/>
           </a:xfrm>
           <a:prstGeom prst="rect">
@@ -6627,7 +6627,7 @@
         </p:nvSpPr>
         <p:spPr>
           <a:xfrm>
-            <a:off x="3835264" y="1905126"/>
+            <a:off x="3848949" y="1905126"/>
             <a:ext cx="1360967" cy="435936"/>
           </a:xfrm>
           <a:prstGeom prst="rect">
@@ -8273,7 +8273,7 @@
         </p:nvSpPr>
         <p:spPr>
           <a:xfrm>
-            <a:off x="373939" y="1905126"/>
+            <a:off x="405810" y="1905126"/>
             <a:ext cx="2970028" cy="435936"/>
           </a:xfrm>
           <a:prstGeom prst="rect">
@@ -8336,7 +8336,7 @@
         </p:nvSpPr>
         <p:spPr>
           <a:xfrm>
-            <a:off x="3835264" y="1905126"/>
+            <a:off x="3852149" y="1905126"/>
             <a:ext cx="1360967" cy="435936"/>
           </a:xfrm>
           <a:prstGeom prst="rect">
